--- a/Employee_Data_Analysis_2 (1).pptx
+++ b/Employee_Data_Analysis_2 (1).pptx
@@ -248,7 +248,7 @@
           <a:p>
             <a:fld id="{84B86612-B127-4CD0-BF15-66D49A7175F7}" type="datetimeFigureOut">
               <a:rPr lang="en-IN" smtClean="0"/>
-              <a:t>29-08-2024</a:t>
+              <a:t>30-08-2024</a:t>
             </a:fld>
             <a:endParaRPr lang="en-IN"/>
           </a:p>
@@ -829,7 +829,7 @@
           <a:p>
             <a:fld id="{1D8BD707-D9CF-40AE-B4C6-C98DA3205C09}" type="datetimeFigureOut">
               <a:rPr lang="en-US"/>
-              <a:t>8/29/2024</a:t>
+              <a:t>8/30/2024</a:t>
             </a:fld>
             <a:endParaRPr lang="en-US"/>
           </a:p>
@@ -1009,7 +1009,7 @@
           <a:p>
             <a:fld id="{1D8BD707-D9CF-40AE-B4C6-C98DA3205C09}" type="datetimeFigureOut">
               <a:rPr lang="en-US"/>
-              <a:t>8/29/2024</a:t>
+              <a:t>8/30/2024</a:t>
             </a:fld>
             <a:endParaRPr lang="en-US"/>
           </a:p>
@@ -1232,7 +1232,7 @@
           <a:p>
             <a:fld id="{1D8BD707-D9CF-40AE-B4C6-C98DA3205C09}" type="datetimeFigureOut">
               <a:rPr lang="en-US"/>
-              <a:t>8/29/2024</a:t>
+              <a:t>8/30/2024</a:t>
             </a:fld>
             <a:endParaRPr lang="en-US"/>
           </a:p>
@@ -1389,7 +1389,7 @@
           <a:p>
             <a:fld id="{1D8BD707-D9CF-40AE-B4C6-C98DA3205C09}" type="datetimeFigureOut">
               <a:rPr lang="en-US"/>
-              <a:t>8/29/2024</a:t>
+              <a:t>8/30/2024</a:t>
             </a:fld>
             <a:endParaRPr lang="en-US"/>
           </a:p>
@@ -1517,7 +1517,7 @@
           <a:p>
             <a:fld id="{1D8BD707-D9CF-40AE-B4C6-C98DA3205C09}" type="datetimeFigureOut">
               <a:rPr lang="en-US"/>
-              <a:t>8/29/2024</a:t>
+              <a:t>8/30/2024</a:t>
             </a:fld>
             <a:endParaRPr lang="en-US"/>
           </a:p>
@@ -2236,7 +2236,7 @@
           <a:p>
             <a:fld id="{1D8BD707-D9CF-40AE-B4C6-C98DA3205C09}" type="datetimeFigureOut">
               <a:rPr lang="en-US"/>
-              <a:t>8/29/2024</a:t>
+              <a:t>8/30/2024</a:t>
             </a:fld>
             <a:endParaRPr lang="en-US"/>
           </a:p>
@@ -2841,7 +2841,7 @@
           <p:cNvPr id="14" name="TextBox 13">
             <a:extLst>
               <a:ext uri="{FF2B5EF4-FFF2-40B4-BE49-F238E27FC236}">
-                <a16:creationId xmlns="" xmlns:a16="http://schemas.microsoft.com/office/drawing/2014/main" id="{D55ADE35-C35B-07C1-F5AA-C33B3DDB802E}"/>
+                <a16:creationId xmlns:a16="http://schemas.microsoft.com/office/drawing/2014/main" xmlns="" id="{D55ADE35-C35B-07C1-F5AA-C33B3DDB802E}"/>
               </a:ext>
             </a:extLst>
           </p:cNvPr>
@@ -2880,7 +2880,7 @@
           <p:cNvPr id="12" name="TextBox 11">
             <a:extLst>
               <a:ext uri="{FF2B5EF4-FFF2-40B4-BE49-F238E27FC236}">
-                <a16:creationId xmlns="" xmlns:a16="http://schemas.microsoft.com/office/drawing/2014/main" id="{D55ADE35-C35B-07C1-F5AA-C33B3DDB802E}"/>
+                <a16:creationId xmlns:a16="http://schemas.microsoft.com/office/drawing/2014/main" xmlns="" id="{D55ADE35-C35B-07C1-F5AA-C33B3DDB802E}"/>
               </a:ext>
             </a:extLst>
           </p:cNvPr>
@@ -2922,15 +2922,15 @@
         </p:nvSpPr>
         <p:spPr>
           <a:xfrm>
-            <a:off x="1538287" y="3048000"/>
-            <a:ext cx="6096000" cy="1477328"/>
+            <a:off x="1538286" y="3048000"/>
+            <a:ext cx="7453314" cy="1754326"/>
           </a:xfrm>
           <a:prstGeom prst="rect">
             <a:avLst/>
           </a:prstGeom>
         </p:spPr>
         <p:txBody>
-          <a:bodyPr>
+          <a:bodyPr wrap="square">
             <a:spAutoFit/>
           </a:bodyPr>
           <a:lstStyle/>
@@ -2961,8 +2961,25 @@
                 </a:solidFill>
                 <a:latin typeface="roboto"/>
               </a:rPr>
-              <a:t>REGISTER NO  : 312208825​</a:t>
-            </a:r>
+              <a:t>REGISTER NO  : 312208825</a:t>
+            </a:r>
+            <a:r>
+              <a:rPr lang="en-US" dirty="0" smtClean="0">
+                <a:solidFill>
+                  <a:srgbClr val="000000"/>
+                </a:solidFill>
+                <a:latin typeface="roboto"/>
+              </a:rPr>
+              <a:t>​, </a:t>
+            </a:r>
+            <a:r>
+              <a:rPr lang="en-US" dirty="0" smtClean="0"/>
+              <a:t>030037FBAE50F5099AE47FD42AE61ABF</a:t>
+            </a:r>
+            <a:endParaRPr lang="en-US" dirty="0"/>
+          </a:p>
+          <a:p>
+            <a:pPr fontAlgn="base"/>
             <a:endParaRPr lang="en-US" dirty="0">
               <a:solidFill>
                 <a:srgbClr val="000000"/>
@@ -3724,7 +3741,7 @@
           <p:cNvPr id="2" name="Title 1">
             <a:extLst>
               <a:ext uri="{FF2B5EF4-FFF2-40B4-BE49-F238E27FC236}">
-                <a16:creationId xmlns="" xmlns:a16="http://schemas.microsoft.com/office/drawing/2014/main" id="{F9A5CB5B-BDD0-5A64-1A7C-37D3C88F8F9E}"/>
+                <a16:creationId xmlns:a16="http://schemas.microsoft.com/office/drawing/2014/main" xmlns="" id="{F9A5CB5B-BDD0-5A64-1A7C-37D3C88F8F9E}"/>
               </a:ext>
             </a:extLst>
           </p:cNvPr>
@@ -6052,7 +6069,7 @@
           <p:cNvPr id="23" name="TextBox 22">
             <a:extLst>
               <a:ext uri="{FF2B5EF4-FFF2-40B4-BE49-F238E27FC236}">
-                <a16:creationId xmlns="" xmlns:a16="http://schemas.microsoft.com/office/drawing/2014/main" id="{D0827FA3-A9D4-0FE5-45BE-664C8C920E82}"/>
+                <a16:creationId xmlns:a16="http://schemas.microsoft.com/office/drawing/2014/main" xmlns="" id="{D0827FA3-A9D4-0FE5-45BE-664C8C920E82}"/>
               </a:ext>
             </a:extLst>
           </p:cNvPr>
@@ -7036,7 +7053,7 @@
           <p:cNvPr id="11" name="TextBox 10">
             <a:extLst>
               <a:ext uri="{FF2B5EF4-FFF2-40B4-BE49-F238E27FC236}">
-                <a16:creationId xmlns="" xmlns:a16="http://schemas.microsoft.com/office/drawing/2014/main" id="{F050B57B-77CA-84FA-9910-3F41C17BBB48}"/>
+                <a16:creationId xmlns:a16="http://schemas.microsoft.com/office/drawing/2014/main" xmlns="" id="{F050B57B-77CA-84FA-9910-3F41C17BBB48}"/>
               </a:ext>
             </a:extLst>
           </p:cNvPr>
@@ -8161,7 +8178,7 @@
           <p:cNvPr id="2" name="Title 1">
             <a:extLst>
               <a:ext uri="{FF2B5EF4-FFF2-40B4-BE49-F238E27FC236}">
-                <a16:creationId xmlns="" xmlns:a16="http://schemas.microsoft.com/office/drawing/2014/main" id="{6E06195E-16D6-79D8-7A9F-F8EB1FE9E212}"/>
+                <a16:creationId xmlns:a16="http://schemas.microsoft.com/office/drawing/2014/main" xmlns="" id="{6E06195E-16D6-79D8-7A9F-F8EB1FE9E212}"/>
               </a:ext>
             </a:extLst>
           </p:cNvPr>
@@ -8813,7 +8830,7 @@
           <p:cNvPr id="9" name="TextBox 8">
             <a:extLst>
               <a:ext uri="{FF2B5EF4-FFF2-40B4-BE49-F238E27FC236}">
-                <a16:creationId xmlns="" xmlns:a16="http://schemas.microsoft.com/office/drawing/2014/main" id="{FAD9CEB2-36E1-0550-426B-2FAF97882044}"/>
+                <a16:creationId xmlns:a16="http://schemas.microsoft.com/office/drawing/2014/main" xmlns="" id="{FAD9CEB2-36E1-0550-426B-2FAF97882044}"/>
               </a:ext>
             </a:extLst>
           </p:cNvPr>
